--- a/Schemas/Защита проекта.pptx
+++ b/Schemas/Защита проекта.pptx
@@ -12711,16 +12711,22 @@
               <a:t>/</a:t>
             </a:r>
             <a:r>
-              <a:rPr lang="en-US" dirty="0" err="1">
+              <a:rPr lang="en-US">
                 <a:hlinkClick r:id="rId3"/>
               </a:rPr>
-              <a:t>project_svh_client</a:t>
+              <a:t>project_swh_client</a:t>
+            </a:r>
+            <a:r>
+              <a:rPr lang="en-US" smtClean="0">
+                <a:hlinkClick r:id="rId4"/>
+              </a:rPr>
+              <a:t> </a:t>
             </a:r>
             <a:r>
               <a:rPr lang="en-US" dirty="0">
-                <a:hlinkClick r:id="rId3"/>
+                <a:hlinkClick r:id="rId4"/>
               </a:rPr>
-              <a:t> (github.com)</a:t>
+              <a:t>(github.com)</a:t>
             </a:r>
             <a:endParaRPr dirty="0">
               <a:solidFill>
@@ -13009,16 +13015,7 @@
                 <a:cs typeface="Roboto"/>
                 <a:sym typeface="Roboto"/>
               </a:rPr>
-              <a:t>5.    И</a:t>
-            </a:r>
-            <a:r>
-              <a:rPr lang="ru-RU" dirty="0" smtClean="0">
-                <a:latin typeface="Roboto"/>
-                <a:ea typeface="Roboto"/>
-                <a:cs typeface="Roboto"/>
-                <a:sym typeface="Roboto"/>
-              </a:rPr>
-              <a:t>спользование </a:t>
+              <a:t>5.    Использование </a:t>
             </a:r>
             <a:r>
               <a:rPr lang="en-US" dirty="0" smtClean="0">

--- a/Schemas/Защита проекта.pptx
+++ b/Schemas/Защита проекта.pptx
@@ -10599,80 +10599,6 @@
           </a:graphicData>
         </a:graphic>
       </p:graphicFrame>
-      <p:sp>
-        <p:nvSpPr>
-          <p:cNvPr id="109" name="Google Shape;109;p20"/>
-          <p:cNvSpPr/>
-          <p:nvPr/>
-        </p:nvSpPr>
-        <p:spPr>
-          <a:xfrm>
-            <a:off x="5955225" y="394475"/>
-            <a:ext cx="2609700" cy="708000"/>
-          </a:xfrm>
-          <a:prstGeom prst="wedgeRectCallout">
-            <a:avLst>
-              <a:gd name="adj1" fmla="val -20833"/>
-              <a:gd name="adj2" fmla="val 62500"/>
-            </a:avLst>
-          </a:prstGeom>
-          <a:solidFill>
-            <a:srgbClr val="F3F3F3"/>
-          </a:solidFill>
-          <a:ln w="9525" cap="flat" cmpd="sng">
-            <a:solidFill>
-              <a:schemeClr val="dk1"/>
-            </a:solidFill>
-            <a:prstDash val="solid"/>
-            <a:round/>
-            <a:headEnd type="none" w="sm" len="sm"/>
-            <a:tailEnd type="none" w="sm" len="sm"/>
-          </a:ln>
-        </p:spPr>
-        <p:txBody>
-          <a:bodyPr spcFirstLastPara="1" wrap="square" lIns="198000" tIns="126000" rIns="198000" bIns="126000" anchor="ctr" anchorCtr="0">
-            <a:noAutofit/>
-          </a:bodyPr>
-          <a:lstStyle/>
-          <a:p>
-            <a:pPr marL="0" lvl="0" indent="0" algn="l" rtl="0">
-              <a:spcBef>
-                <a:spcPts val="0"/>
-              </a:spcBef>
-              <a:spcAft>
-                <a:spcPts val="0"/>
-              </a:spcAft>
-              <a:buClr>
-                <a:schemeClr val="dk1"/>
-              </a:buClr>
-              <a:buSzPts val="1100"/>
-              <a:buFont typeface="Arial"/>
-              <a:buNone/>
-            </a:pPr>
-            <a:r>
-              <a:rPr lang="ru" sz="1100" dirty="0">
-                <a:solidFill>
-                  <a:schemeClr val="dk1"/>
-                </a:solidFill>
-                <a:latin typeface="Roboto"/>
-                <a:ea typeface="Roboto"/>
-                <a:cs typeface="Roboto"/>
-                <a:sym typeface="Roboto"/>
-              </a:rPr>
-              <a:t>Какие цели вы поставили и какие задачи решили своим проектом </a:t>
-            </a:r>
-            <a:endParaRPr sz="700" dirty="0">
-              <a:solidFill>
-                <a:schemeClr val="dk1"/>
-              </a:solidFill>
-              <a:latin typeface="Roboto"/>
-              <a:ea typeface="Roboto"/>
-              <a:cs typeface="Roboto"/>
-              <a:sym typeface="Roboto"/>
-            </a:endParaRPr>
-          </a:p>
-        </p:txBody>
-      </p:sp>
     </p:spTree>
   </p:cSld>
   <p:clrMapOvr>
@@ -10771,7 +10697,7 @@
         </p:nvGraphicFramePr>
         <p:xfrm>
           <a:off x="952500" y="1544194"/>
-          <a:ext cx="7239000" cy="1264701"/>
+          <a:ext cx="7239000" cy="1322802"/>
         </p:xfrm>
         <a:graphic>
           <a:graphicData uri="http://schemas.openxmlformats.org/drawingml/2006/table">
@@ -11406,100 +11332,6 @@
           </a:graphicData>
         </a:graphic>
       </p:graphicFrame>
-      <p:sp>
-        <p:nvSpPr>
-          <p:cNvPr id="116" name="Google Shape;116;p21"/>
-          <p:cNvSpPr/>
-          <p:nvPr/>
-        </p:nvSpPr>
-        <p:spPr>
-          <a:xfrm>
-            <a:off x="5498575" y="391950"/>
-            <a:ext cx="3257100" cy="644700"/>
-          </a:xfrm>
-          <a:prstGeom prst="wedgeRectCallout">
-            <a:avLst>
-              <a:gd name="adj1" fmla="val -20075"/>
-              <a:gd name="adj2" fmla="val 76031"/>
-            </a:avLst>
-          </a:prstGeom>
-          <a:solidFill>
-            <a:srgbClr val="F3F3F3"/>
-          </a:solidFill>
-          <a:ln w="9525" cap="flat" cmpd="sng">
-            <a:solidFill>
-              <a:schemeClr val="dk1"/>
-            </a:solidFill>
-            <a:prstDash val="solid"/>
-            <a:round/>
-            <a:headEnd type="none" w="sm" len="sm"/>
-            <a:tailEnd type="none" w="sm" len="sm"/>
-          </a:ln>
-        </p:spPr>
-        <p:txBody>
-          <a:bodyPr spcFirstLastPara="1" wrap="square" lIns="198000" tIns="126000" rIns="198000" bIns="126000" anchor="ctr" anchorCtr="0">
-            <a:noAutofit/>
-          </a:bodyPr>
-          <a:lstStyle/>
-          <a:p>
-            <a:pPr marL="0" lvl="0" indent="0" algn="l" rtl="0">
-              <a:spcBef>
-                <a:spcPts val="0"/>
-              </a:spcBef>
-              <a:spcAft>
-                <a:spcPts val="0"/>
-              </a:spcAft>
-              <a:buClr>
-                <a:schemeClr val="dk1"/>
-              </a:buClr>
-              <a:buSzPts val="1100"/>
-              <a:buFont typeface="Arial"/>
-              <a:buNone/>
-            </a:pPr>
-            <a:r>
-              <a:rPr lang="ru" sz="1100">
-                <a:solidFill>
-                  <a:schemeClr val="dk1"/>
-                </a:solidFill>
-                <a:latin typeface="Roboto"/>
-                <a:ea typeface="Roboto"/>
-                <a:cs typeface="Roboto"/>
-                <a:sym typeface="Roboto"/>
-              </a:rPr>
-              <a:t>Что было в начале, что знали до курса, сколько времени заняло выполнение проекта</a:t>
-            </a:r>
-            <a:endParaRPr sz="1100">
-              <a:solidFill>
-                <a:schemeClr val="dk1"/>
-              </a:solidFill>
-              <a:latin typeface="Roboto"/>
-              <a:ea typeface="Roboto"/>
-              <a:cs typeface="Roboto"/>
-              <a:sym typeface="Roboto"/>
-            </a:endParaRPr>
-          </a:p>
-          <a:p>
-            <a:pPr marL="0" lvl="0" indent="0" algn="l" rtl="0">
-              <a:spcBef>
-                <a:spcPts val="0"/>
-              </a:spcBef>
-              <a:spcAft>
-                <a:spcPts val="0"/>
-              </a:spcAft>
-              <a:buNone/>
-            </a:pPr>
-            <a:endParaRPr sz="1100">
-              <a:solidFill>
-                <a:schemeClr val="dk1"/>
-              </a:solidFill>
-              <a:latin typeface="Roboto"/>
-              <a:ea typeface="Roboto"/>
-              <a:cs typeface="Roboto"/>
-              <a:sym typeface="Roboto"/>
-            </a:endParaRPr>
-          </a:p>
-        </p:txBody>
-      </p:sp>
     </p:spTree>
   </p:cSld>
   <p:clrMapOvr>
@@ -11598,14 +11430,14 @@
           <p:nvPr>
             <p:extLst>
               <p:ext uri="{D42A27DB-BD31-4B8C-83A1-F6EECF244321}">
-                <p14:modId xmlns:p14="http://schemas.microsoft.com/office/powerpoint/2010/main" val="2921528002"/>
+                <p14:modId xmlns:p14="http://schemas.microsoft.com/office/powerpoint/2010/main" val="1914605317"/>
               </p:ext>
             </p:extLst>
           </p:nvPr>
         </p:nvGraphicFramePr>
         <p:xfrm>
           <a:off x="952500" y="1544194"/>
-          <a:ext cx="7239000" cy="2033411"/>
+          <a:ext cx="7111448" cy="2052778"/>
         </p:xfrm>
         <a:graphic>
           <a:graphicData uri="http://schemas.openxmlformats.org/drawingml/2006/table">
@@ -11615,14 +11447,14 @@
                 <a:tableStyleId>{A8C4AE72-AC7A-4EEC-82F5-504B2719BD56}</a:tableStyleId>
               </a:tblPr>
               <a:tblGrid>
-                <a:gridCol w="489425">
+                <a:gridCol w="480801">
                   <a:extLst>
                     <a:ext uri="{9D8B030D-6E8A-4147-A177-3AD203B41FA5}">
                       <a16:colId xmlns:a16="http://schemas.microsoft.com/office/drawing/2014/main" val="20000"/>
                     </a:ext>
                   </a:extLst>
                 </a:gridCol>
-                <a:gridCol w="6749575">
+                <a:gridCol w="6630647">
                   <a:extLst>
                     <a:ext uri="{9D8B030D-6E8A-4147-A177-3AD203B41FA5}">
                       <a16:colId xmlns:a16="http://schemas.microsoft.com/office/drawing/2014/main" val="20001"/>
@@ -11779,7 +11611,7 @@
                           <a:cs typeface="Roboto"/>
                           <a:sym typeface="Roboto"/>
                         </a:rPr>
-                        <a:t>AspNetCore</a:t>
+                        <a:t>Asp.Net</a:t>
                       </a:r>
                       <a:r>
                         <a:rPr lang="en-US" sz="1300" dirty="0" smtClean="0">
@@ -11788,7 +11620,16 @@
                           <a:cs typeface="Roboto"/>
                           <a:sym typeface="Roboto"/>
                         </a:rPr>
-                        <a:t> 8</a:t>
+                        <a:t> Core </a:t>
+                      </a:r>
+                      <a:r>
+                        <a:rPr lang="en-US" sz="1300" dirty="0" smtClean="0">
+                          <a:latin typeface="Roboto"/>
+                          <a:ea typeface="Roboto"/>
+                          <a:cs typeface="Roboto"/>
+                          <a:sym typeface="Roboto"/>
+                        </a:rPr>
+                        <a:t>8</a:t>
                       </a:r>
                       <a:endParaRPr sz="1300" dirty="0">
                         <a:latin typeface="Roboto"/>
@@ -12529,75 +12370,6 @@
           </a:graphicData>
         </a:graphic>
       </p:graphicFrame>
-      <p:sp>
-        <p:nvSpPr>
-          <p:cNvPr id="123" name="Google Shape;123;p22"/>
-          <p:cNvSpPr/>
-          <p:nvPr/>
-        </p:nvSpPr>
-        <p:spPr>
-          <a:xfrm>
-            <a:off x="4934400" y="3763050"/>
-            <a:ext cx="3257100" cy="644700"/>
-          </a:xfrm>
-          <a:prstGeom prst="wedgeRectCallout">
-            <a:avLst>
-              <a:gd name="adj1" fmla="val -32765"/>
-              <a:gd name="adj2" fmla="val -96401"/>
-            </a:avLst>
-          </a:prstGeom>
-          <a:solidFill>
-            <a:srgbClr val="F3F3F3"/>
-          </a:solidFill>
-          <a:ln w="9525" cap="flat" cmpd="sng">
-            <a:solidFill>
-              <a:schemeClr val="dk1"/>
-            </a:solidFill>
-            <a:prstDash val="solid"/>
-            <a:round/>
-            <a:headEnd type="none" w="sm" len="sm"/>
-            <a:tailEnd type="none" w="sm" len="sm"/>
-          </a:ln>
-        </p:spPr>
-        <p:txBody>
-          <a:bodyPr spcFirstLastPara="1" wrap="square" lIns="198000" tIns="126000" rIns="198000" bIns="126000" anchor="ctr" anchorCtr="0">
-            <a:noAutofit/>
-          </a:bodyPr>
-          <a:lstStyle/>
-          <a:p>
-            <a:pPr marL="0" lvl="0" indent="0" algn="l" rtl="0">
-              <a:spcBef>
-                <a:spcPts val="600"/>
-              </a:spcBef>
-              <a:spcAft>
-                <a:spcPts val="0"/>
-              </a:spcAft>
-              <a:buNone/>
-            </a:pPr>
-            <a:r>
-              <a:rPr lang="ru" sz="1100">
-                <a:solidFill>
-                  <a:schemeClr val="dk1"/>
-                </a:solidFill>
-                <a:latin typeface="Roboto"/>
-                <a:ea typeface="Roboto"/>
-                <a:cs typeface="Roboto"/>
-                <a:sym typeface="Roboto"/>
-              </a:rPr>
-              <a:t>Какие технологии использовались и какое у вас мнение о новых технологиях</a:t>
-            </a:r>
-            <a:endParaRPr sz="1100">
-              <a:solidFill>
-                <a:schemeClr val="dk1"/>
-              </a:solidFill>
-              <a:latin typeface="Roboto"/>
-              <a:ea typeface="Roboto"/>
-              <a:cs typeface="Roboto"/>
-              <a:sym typeface="Roboto"/>
-            </a:endParaRPr>
-          </a:p>
-        </p:txBody>
-      </p:sp>
     </p:spTree>
   </p:cSld>
   <p:clrMapOvr>
@@ -12842,18 +12614,6 @@
               <a:t>Создание БД: </a:t>
             </a:r>
             <a:r>
-              <a:rPr lang="en-US" dirty="0" err="1" smtClean="0">
-                <a:solidFill>
-                  <a:srgbClr val="000000"/>
-                </a:solidFill>
-                <a:latin typeface="Roboto"/>
-                <a:ea typeface="Roboto"/>
-                <a:cs typeface="Roboto"/>
-                <a:sym typeface="Roboto"/>
-              </a:rPr>
-              <a:t>Postgres</a:t>
-            </a:r>
-            <a:r>
               <a:rPr lang="en-US" dirty="0" smtClean="0">
                 <a:solidFill>
                   <a:srgbClr val="000000"/>
@@ -12863,7 +12623,7 @@
                 <a:cs typeface="Roboto"/>
                 <a:sym typeface="Roboto"/>
               </a:rPr>
-              <a:t> </a:t>
+              <a:t>PostgreSQL </a:t>
             </a:r>
             <a:r>
               <a:rPr lang="ru-RU" dirty="0" smtClean="0">
@@ -13015,7 +12775,16 @@
                 <a:cs typeface="Roboto"/>
                 <a:sym typeface="Roboto"/>
               </a:rPr>
-              <a:t>5.    Использование </a:t>
+              <a:t>5.    </a:t>
+            </a:r>
+            <a:r>
+              <a:rPr lang="ru-RU" dirty="0" smtClean="0">
+                <a:latin typeface="Roboto"/>
+                <a:ea typeface="Roboto"/>
+                <a:cs typeface="Roboto"/>
+                <a:sym typeface="Roboto"/>
+              </a:rPr>
+              <a:t>Применение </a:t>
             </a:r>
             <a:r>
               <a:rPr lang="en-US" dirty="0" smtClean="0">
@@ -13079,16 +12848,34 @@
                 <a:cs typeface="Roboto"/>
                 <a:sym typeface="Roboto"/>
               </a:rPr>
-              <a:t>6.    Применение полученных на занятиях </a:t>
+              <a:t>6</a:t>
             </a:r>
             <a:r>
-              <a:rPr lang="ru-RU" smtClean="0">
+              <a:rPr lang="ru-RU" dirty="0" smtClean="0">
                 <a:latin typeface="Roboto"/>
                 <a:ea typeface="Roboto"/>
                 <a:cs typeface="Roboto"/>
                 <a:sym typeface="Roboto"/>
               </a:rPr>
-              <a:t>знаний </a:t>
+              <a:t>.    </a:t>
+            </a:r>
+            <a:r>
+              <a:rPr lang="ru-RU" dirty="0" smtClean="0">
+                <a:latin typeface="Roboto"/>
+                <a:ea typeface="Roboto"/>
+                <a:cs typeface="Roboto"/>
+                <a:sym typeface="Roboto"/>
+              </a:rPr>
+              <a:t>Использование </a:t>
+            </a:r>
+            <a:r>
+              <a:rPr lang="ru-RU" dirty="0" smtClean="0">
+                <a:latin typeface="Roboto"/>
+                <a:ea typeface="Roboto"/>
+                <a:cs typeface="Roboto"/>
+                <a:sym typeface="Roboto"/>
+              </a:rPr>
+              <a:t>полученных на занятиях знаний </a:t>
             </a:r>
             <a:endParaRPr dirty="0">
               <a:solidFill>
@@ -13216,7 +13003,7 @@
         <p:spPr>
           <a:xfrm>
             <a:off x="500550" y="1768077"/>
-            <a:ext cx="3541496" cy="2187697"/>
+            <a:ext cx="3945554" cy="2916566"/>
           </a:xfrm>
           <a:prstGeom prst="rect">
             <a:avLst/>
@@ -13245,8 +13032,8 @@
         </p:blipFill>
         <p:spPr>
           <a:xfrm>
-            <a:off x="5191239" y="1678340"/>
-            <a:ext cx="3408332" cy="2367170"/>
+            <a:off x="4664765" y="1678340"/>
+            <a:ext cx="3914928" cy="3205086"/>
           </a:xfrm>
           <a:prstGeom prst="rect">
             <a:avLst/>
@@ -13935,14 +13722,14 @@
           <p:nvPr>
             <p:extLst>
               <p:ext uri="{D42A27DB-BD31-4B8C-83A1-F6EECF244321}">
-                <p14:modId xmlns:p14="http://schemas.microsoft.com/office/powerpoint/2010/main" val="2974253249"/>
+                <p14:modId xmlns:p14="http://schemas.microsoft.com/office/powerpoint/2010/main" val="929399121"/>
               </p:ext>
             </p:extLst>
           </p:nvPr>
         </p:nvGraphicFramePr>
         <p:xfrm>
           <a:off x="952499" y="1544194"/>
-          <a:ext cx="7899953" cy="1830566"/>
+          <a:ext cx="7899953" cy="1811199"/>
         </p:xfrm>
         <a:graphic>
           <a:graphicData uri="http://schemas.openxmlformats.org/drawingml/2006/table">
@@ -14095,13 +13882,13 @@
                         <a:t> </a:t>
                       </a:r>
                       <a:r>
-                        <a:rPr lang="en-US" sz="1300" baseline="0" dirty="0" err="1" smtClean="0">
+                        <a:rPr lang="en-US" sz="1300" baseline="0" dirty="0" smtClean="0">
                           <a:latin typeface="Roboto"/>
                           <a:ea typeface="Roboto"/>
                           <a:cs typeface="Roboto"/>
                           <a:sym typeface="Roboto"/>
                         </a:rPr>
-                        <a:t>Postgres</a:t>
+                        <a:t>PostgreSQL</a:t>
                       </a:r>
                       <a:endParaRPr sz="1300" dirty="0">
                         <a:latin typeface="Roboto"/>
@@ -14477,29 +14264,34 @@
                         <a:defRPr/>
                       </a:pPr>
                       <a:r>
-                        <a:rPr lang="ru-RU" sz="1100" dirty="0" smtClean="0">
+                        <a:rPr lang="ru-RU" sz="1300" b="0" i="0" u="none" strike="noStrike" cap="none" dirty="0" smtClean="0">
+                          <a:solidFill>
+                            <a:srgbClr val="000000"/>
+                          </a:solidFill>
                           <a:latin typeface="Roboto"/>
                           <a:ea typeface="Roboto"/>
                           <a:cs typeface="Roboto"/>
                           <a:sym typeface="Roboto"/>
                         </a:rPr>
-                        <a:t>Разобраться с ограничением</a:t>
+                        <a:t>Разобраться с ограничением доступа пользователя к функциям (</a:t>
                       </a:r>
                       <a:r>
-                        <a:rPr lang="ru-RU" sz="1100" baseline="0" dirty="0" smtClean="0">
+                        <a:rPr lang="ru-RU" sz="1300" b="0" i="0" u="none" strike="noStrike" cap="none" dirty="0" smtClean="0">
+                          <a:solidFill>
+                            <a:srgbClr val="000000"/>
+                          </a:solidFill>
                           <a:latin typeface="Roboto"/>
                           <a:ea typeface="Roboto"/>
                           <a:cs typeface="Roboto"/>
-                          <a:sym typeface="Roboto"/>
+                          <a:sym typeface="Arial"/>
                         </a:rPr>
-                        <a:t> доступа пользователя к функциям (</a:t>
-                      </a:r>
-                      <a:r>
-                        <a:rPr lang="ru-RU" sz="1100" b="0" dirty="0" smtClean="0"/>
                         <a:t>Аутентификация</a:t>
                       </a:r>
                       <a:r>
-                        <a:rPr lang="ru-RU" sz="1100" baseline="0" dirty="0" smtClean="0">
+                        <a:rPr lang="ru-RU" sz="1300" b="0" i="0" u="none" strike="noStrike" cap="none" dirty="0" smtClean="0">
+                          <a:solidFill>
+                            <a:srgbClr val="000000"/>
+                          </a:solidFill>
                           <a:latin typeface="Roboto"/>
                           <a:ea typeface="Roboto"/>
                           <a:cs typeface="Roboto"/>
@@ -14507,7 +14299,10 @@
                         </a:rPr>
                         <a:t>)</a:t>
                       </a:r>
-                      <a:endParaRPr sz="1100" dirty="0">
+                      <a:endParaRPr sz="1300" b="0" i="0" u="none" strike="noStrike" cap="none" dirty="0">
+                        <a:solidFill>
+                          <a:srgbClr val="000000"/>
+                        </a:solidFill>
                         <a:latin typeface="Roboto"/>
                         <a:ea typeface="Roboto"/>
                         <a:cs typeface="Roboto"/>

--- a/Schemas/Защита проекта.pptx
+++ b/Schemas/Защита проекта.pptx
@@ -10690,14 +10690,14 @@
           <p:nvPr>
             <p:extLst>
               <p:ext uri="{D42A27DB-BD31-4B8C-83A1-F6EECF244321}">
-                <p14:modId xmlns:p14="http://schemas.microsoft.com/office/powerpoint/2010/main" val="2527523760"/>
+                <p14:modId xmlns:p14="http://schemas.microsoft.com/office/powerpoint/2010/main" val="515054513"/>
               </p:ext>
             </p:extLst>
           </p:nvPr>
         </p:nvGraphicFramePr>
         <p:xfrm>
           <a:off x="952500" y="1544194"/>
-          <a:ext cx="7239000" cy="1322802"/>
+          <a:ext cx="7239000" cy="1056230"/>
         </p:xfrm>
         <a:graphic>
           <a:graphicData uri="http://schemas.openxmlformats.org/drawingml/2006/table">
@@ -10847,28 +10847,17 @@
                           <a:cs typeface="Roboto"/>
                           <a:sym typeface="Roboto"/>
                         </a:rPr>
-                        <a:t>C#</a:t>
+                        <a:t>C</a:t>
                       </a:r>
-                      <a:endParaRPr lang="ru-RU" sz="1300" baseline="0" dirty="0" smtClean="0">
-                        <a:latin typeface="Roboto"/>
-                        <a:ea typeface="Roboto"/>
-                        <a:cs typeface="Roboto"/>
-                        <a:sym typeface="Roboto"/>
-                      </a:endParaRPr>
-                    </a:p>
-                    <a:p>
-                      <a:pPr marL="0" lvl="0" indent="0" algn="l" rtl="0">
-                        <a:lnSpc>
-                          <a:spcPct val="115000"/>
-                        </a:lnSpc>
-                        <a:spcBef>
-                          <a:spcPts val="0"/>
-                        </a:spcBef>
-                        <a:spcAft>
-                          <a:spcPts val="0"/>
-                        </a:spcAft>
-                        <a:buNone/>
-                      </a:pPr>
+                      <a:r>
+                        <a:rPr lang="en-US" sz="1300" baseline="0" dirty="0" smtClean="0">
+                          <a:latin typeface="Roboto"/>
+                          <a:ea typeface="Roboto"/>
+                          <a:cs typeface="Roboto"/>
+                          <a:sym typeface="Roboto"/>
+                        </a:rPr>
+                        <a:t>#</a:t>
+                      </a:r>
                       <a:endParaRPr sz="1300" dirty="0">
                         <a:latin typeface="Roboto"/>
                         <a:ea typeface="Roboto"/>
@@ -11063,13 +11052,13 @@
                         <a:t> </a:t>
                       </a:r>
                       <a:r>
-                        <a:rPr lang="en-US" sz="1300" baseline="0" dirty="0" err="1" smtClean="0">
+                        <a:rPr lang="en-US" sz="1300" baseline="0" dirty="0" smtClean="0">
                           <a:latin typeface="Roboto"/>
                           <a:ea typeface="Roboto"/>
                           <a:cs typeface="Roboto"/>
                           <a:sym typeface="Roboto"/>
                         </a:rPr>
-                        <a:t>Postgres</a:t>
+                        <a:t>PostgreSQL</a:t>
                       </a:r>
                       <a:endParaRPr sz="1300" dirty="0">
                         <a:latin typeface="Roboto"/>
@@ -11620,16 +11609,7 @@
                           <a:cs typeface="Roboto"/>
                           <a:sym typeface="Roboto"/>
                         </a:rPr>
-                        <a:t> Core </a:t>
-                      </a:r>
-                      <a:r>
-                        <a:rPr lang="en-US" sz="1300" dirty="0" smtClean="0">
-                          <a:latin typeface="Roboto"/>
-                          <a:ea typeface="Roboto"/>
-                          <a:cs typeface="Roboto"/>
-                          <a:sym typeface="Roboto"/>
-                        </a:rPr>
-                        <a:t>8</a:t>
+                        <a:t> Core 8</a:t>
                       </a:r>
                       <a:endParaRPr sz="1300" dirty="0">
                         <a:latin typeface="Roboto"/>
@@ -12775,16 +12755,7 @@
                 <a:cs typeface="Roboto"/>
                 <a:sym typeface="Roboto"/>
               </a:rPr>
-              <a:t>5.    </a:t>
-            </a:r>
-            <a:r>
-              <a:rPr lang="ru-RU" dirty="0" smtClean="0">
-                <a:latin typeface="Roboto"/>
-                <a:ea typeface="Roboto"/>
-                <a:cs typeface="Roboto"/>
-                <a:sym typeface="Roboto"/>
-              </a:rPr>
-              <a:t>Применение </a:t>
+              <a:t>5.    Применение </a:t>
             </a:r>
             <a:r>
               <a:rPr lang="en-US" dirty="0" smtClean="0">
@@ -12848,34 +12819,7 @@
                 <a:cs typeface="Roboto"/>
                 <a:sym typeface="Roboto"/>
               </a:rPr>
-              <a:t>6</a:t>
-            </a:r>
-            <a:r>
-              <a:rPr lang="ru-RU" dirty="0" smtClean="0">
-                <a:latin typeface="Roboto"/>
-                <a:ea typeface="Roboto"/>
-                <a:cs typeface="Roboto"/>
-                <a:sym typeface="Roboto"/>
-              </a:rPr>
-              <a:t>.    </a:t>
-            </a:r>
-            <a:r>
-              <a:rPr lang="ru-RU" dirty="0" smtClean="0">
-                <a:latin typeface="Roboto"/>
-                <a:ea typeface="Roboto"/>
-                <a:cs typeface="Roboto"/>
-                <a:sym typeface="Roboto"/>
-              </a:rPr>
-              <a:t>Использование </a:t>
-            </a:r>
-            <a:r>
-              <a:rPr lang="ru-RU" dirty="0" smtClean="0">
-                <a:latin typeface="Roboto"/>
-                <a:ea typeface="Roboto"/>
-                <a:cs typeface="Roboto"/>
-                <a:sym typeface="Roboto"/>
-              </a:rPr>
-              <a:t>полученных на занятиях знаний </a:t>
+              <a:t>6.    Использование полученных на занятиях знаний </a:t>
             </a:r>
             <a:endParaRPr dirty="0">
               <a:solidFill>
@@ -13729,7 +13673,7 @@
         </p:nvGraphicFramePr>
         <p:xfrm>
           <a:off x="952499" y="1544194"/>
-          <a:ext cx="7899953" cy="1811199"/>
+          <a:ext cx="7899953" cy="1830566"/>
         </p:xfrm>
         <a:graphic>
           <a:graphicData uri="http://schemas.openxmlformats.org/drawingml/2006/table">
@@ -13879,16 +13823,7 @@
                           <a:cs typeface="Roboto"/>
                           <a:sym typeface="Roboto"/>
                         </a:rPr>
-                        <a:t> </a:t>
-                      </a:r>
-                      <a:r>
-                        <a:rPr lang="en-US" sz="1300" baseline="0" dirty="0" smtClean="0">
-                          <a:latin typeface="Roboto"/>
-                          <a:ea typeface="Roboto"/>
-                          <a:cs typeface="Roboto"/>
-                          <a:sym typeface="Roboto"/>
-                        </a:rPr>
-                        <a:t>PostgreSQL</a:t>
+                        <a:t> PostgreSQL</a:t>
                       </a:r>
                       <a:endParaRPr sz="1300" dirty="0">
                         <a:latin typeface="Roboto"/>
